--- a/ppt_intro.pptx
+++ b/ppt_intro.pptx
@@ -108,6 +108,11 @@
       </a:defRPr>
     </a:lvl9pPr>
   </p:defaultTextStyle>
+  <p:extLst>
+    <p:ext uri="{EFAFB233-063F-42B5-8137-9DF3F51BA10A}">
+      <p15:sldGuideLst xmlns:p15="http://schemas.microsoft.com/office/powerpoint/2012/main"/>
+    </p:ext>
+  </p:extLst>
 </p:presentation>
 </file>
 
@@ -4058,7 +4063,7 @@
           <a:p>
             <a:r>
               <a:rPr lang="en-US" dirty="0"/>
-              <a:t>Contacts –</a:t>
+              <a:t>Management –</a:t>
             </a:r>
           </a:p>
         </p:txBody>
@@ -4077,10 +4082,15 @@
           </p:cNvGraphicFramePr>
           <p:nvPr>
             <p:ph idx="1"/>
+            <p:extLst>
+              <p:ext uri="{D42A27DB-BD31-4B8C-83A1-F6EECF244321}">
+                <p14:modId xmlns:p14="http://schemas.microsoft.com/office/powerpoint/2010/main" val="2650074387"/>
+              </p:ext>
+            </p:extLst>
           </p:nvPr>
         </p:nvGraphicFramePr>
         <p:xfrm>
-          <a:off x="838200" y="1825625"/>
+          <a:off x="838200" y="3044825"/>
           <a:ext cx="10515600" cy="2966720"/>
         </p:xfrm>
         <a:graphic>
@@ -4619,6 +4629,240 @@
           </a:graphicData>
         </a:graphic>
       </p:graphicFrame>
+      <p:sp>
+        <p:nvSpPr>
+          <p:cNvPr id="3" name="TextBox 2">
+            <a:extLst>
+              <a:ext uri="{FF2B5EF4-FFF2-40B4-BE49-F238E27FC236}">
+                <a16:creationId xmlns:a16="http://schemas.microsoft.com/office/drawing/2014/main" id="{5848E72B-AC1D-A14E-8049-7A84EF98E443}"/>
+              </a:ext>
+            </a:extLst>
+          </p:cNvPr>
+          <p:cNvSpPr txBox="1"/>
+          <p:nvPr/>
+        </p:nvSpPr>
+        <p:spPr>
+          <a:xfrm>
+            <a:off x="2774731" y="2238703"/>
+            <a:ext cx="184731" cy="369332"/>
+          </a:xfrm>
+          <a:prstGeom prst="rect">
+            <a:avLst/>
+          </a:prstGeom>
+          <a:noFill/>
+        </p:spPr>
+        <p:txBody>
+          <a:bodyPr wrap="none" rtlCol="0">
+            <a:spAutoFit/>
+          </a:bodyPr>
+          <a:lstStyle/>
+          <a:p>
+            <a:endParaRPr lang="en-US" dirty="0"/>
+          </a:p>
+        </p:txBody>
+      </p:sp>
+      <p:sp>
+        <p:nvSpPr>
+          <p:cNvPr id="5" name="Content Placeholder 2">
+            <a:extLst>
+              <a:ext uri="{FF2B5EF4-FFF2-40B4-BE49-F238E27FC236}">
+                <a16:creationId xmlns:a16="http://schemas.microsoft.com/office/drawing/2014/main" id="{0CC8CD5A-2313-EB4B-BF11-DD15348A5B1F}"/>
+              </a:ext>
+            </a:extLst>
+          </p:cNvPr>
+          <p:cNvSpPr txBox="1">
+            <a:spLocks/>
+          </p:cNvSpPr>
+          <p:nvPr/>
+        </p:nvSpPr>
+        <p:spPr>
+          <a:xfrm>
+            <a:off x="838200" y="1825625"/>
+            <a:ext cx="10515600" cy="4351338"/>
+          </a:xfrm>
+          <a:prstGeom prst="rect">
+            <a:avLst/>
+          </a:prstGeom>
+        </p:spPr>
+        <p:txBody>
+          <a:bodyPr vert="horz" lIns="91440" tIns="45720" rIns="91440" bIns="45720" rtlCol="0">
+            <a:normAutofit/>
+          </a:bodyPr>
+          <a:lstStyle>
+            <a:lvl1pPr marL="228600" indent="-228600" algn="l" defTabSz="914400" rtl="0" eaLnBrk="1" latinLnBrk="0" hangingPunct="1">
+              <a:lnSpc>
+                <a:spcPct val="90000"/>
+              </a:lnSpc>
+              <a:spcBef>
+                <a:spcPts val="1000"/>
+              </a:spcBef>
+              <a:buFont typeface="Arial" panose="020B0604020202020204" pitchFamily="34" charset="0"/>
+              <a:buChar char="•"/>
+              <a:defRPr sz="2800" kern="1200">
+                <a:solidFill>
+                  <a:schemeClr val="tx1"/>
+                </a:solidFill>
+                <a:latin typeface="+mn-lt"/>
+                <a:ea typeface="+mn-ea"/>
+                <a:cs typeface="+mn-cs"/>
+              </a:defRPr>
+            </a:lvl1pPr>
+            <a:lvl2pPr marL="685800" indent="-228600" algn="l" defTabSz="914400" rtl="0" eaLnBrk="1" latinLnBrk="0" hangingPunct="1">
+              <a:lnSpc>
+                <a:spcPct val="90000"/>
+              </a:lnSpc>
+              <a:spcBef>
+                <a:spcPts val="500"/>
+              </a:spcBef>
+              <a:buFont typeface="Arial" panose="020B0604020202020204" pitchFamily="34" charset="0"/>
+              <a:buChar char="•"/>
+              <a:defRPr sz="2400" kern="1200">
+                <a:solidFill>
+                  <a:schemeClr val="tx1"/>
+                </a:solidFill>
+                <a:latin typeface="+mn-lt"/>
+                <a:ea typeface="+mn-ea"/>
+                <a:cs typeface="+mn-cs"/>
+              </a:defRPr>
+            </a:lvl2pPr>
+            <a:lvl3pPr marL="1143000" indent="-228600" algn="l" defTabSz="914400" rtl="0" eaLnBrk="1" latinLnBrk="0" hangingPunct="1">
+              <a:lnSpc>
+                <a:spcPct val="90000"/>
+              </a:lnSpc>
+              <a:spcBef>
+                <a:spcPts val="500"/>
+              </a:spcBef>
+              <a:buFont typeface="Arial" panose="020B0604020202020204" pitchFamily="34" charset="0"/>
+              <a:buChar char="•"/>
+              <a:defRPr sz="2000" kern="1200">
+                <a:solidFill>
+                  <a:schemeClr val="tx1"/>
+                </a:solidFill>
+                <a:latin typeface="+mn-lt"/>
+                <a:ea typeface="+mn-ea"/>
+                <a:cs typeface="+mn-cs"/>
+              </a:defRPr>
+            </a:lvl3pPr>
+            <a:lvl4pPr marL="1600200" indent="-228600" algn="l" defTabSz="914400" rtl="0" eaLnBrk="1" latinLnBrk="0" hangingPunct="1">
+              <a:lnSpc>
+                <a:spcPct val="90000"/>
+              </a:lnSpc>
+              <a:spcBef>
+                <a:spcPts val="500"/>
+              </a:spcBef>
+              <a:buFont typeface="Arial" panose="020B0604020202020204" pitchFamily="34" charset="0"/>
+              <a:buChar char="•"/>
+              <a:defRPr sz="1800" kern="1200">
+                <a:solidFill>
+                  <a:schemeClr val="tx1"/>
+                </a:solidFill>
+                <a:latin typeface="+mn-lt"/>
+                <a:ea typeface="+mn-ea"/>
+                <a:cs typeface="+mn-cs"/>
+              </a:defRPr>
+            </a:lvl4pPr>
+            <a:lvl5pPr marL="2057400" indent="-228600" algn="l" defTabSz="914400" rtl="0" eaLnBrk="1" latinLnBrk="0" hangingPunct="1">
+              <a:lnSpc>
+                <a:spcPct val="90000"/>
+              </a:lnSpc>
+              <a:spcBef>
+                <a:spcPts val="500"/>
+              </a:spcBef>
+              <a:buFont typeface="Arial" panose="020B0604020202020204" pitchFamily="34" charset="0"/>
+              <a:buChar char="•"/>
+              <a:defRPr sz="1800" kern="1200">
+                <a:solidFill>
+                  <a:schemeClr val="tx1"/>
+                </a:solidFill>
+                <a:latin typeface="+mn-lt"/>
+                <a:ea typeface="+mn-ea"/>
+                <a:cs typeface="+mn-cs"/>
+              </a:defRPr>
+            </a:lvl5pPr>
+            <a:lvl6pPr marL="2514600" indent="-228600" algn="l" defTabSz="914400" rtl="0" eaLnBrk="1" latinLnBrk="0" hangingPunct="1">
+              <a:lnSpc>
+                <a:spcPct val="90000"/>
+              </a:lnSpc>
+              <a:spcBef>
+                <a:spcPts val="500"/>
+              </a:spcBef>
+              <a:buFont typeface="Arial" panose="020B0604020202020204" pitchFamily="34" charset="0"/>
+              <a:buChar char="•"/>
+              <a:defRPr sz="1800" kern="1200">
+                <a:solidFill>
+                  <a:schemeClr val="tx1"/>
+                </a:solidFill>
+                <a:latin typeface="+mn-lt"/>
+                <a:ea typeface="+mn-ea"/>
+                <a:cs typeface="+mn-cs"/>
+              </a:defRPr>
+            </a:lvl6pPr>
+            <a:lvl7pPr marL="2971800" indent="-228600" algn="l" defTabSz="914400" rtl="0" eaLnBrk="1" latinLnBrk="0" hangingPunct="1">
+              <a:lnSpc>
+                <a:spcPct val="90000"/>
+              </a:lnSpc>
+              <a:spcBef>
+                <a:spcPts val="500"/>
+              </a:spcBef>
+              <a:buFont typeface="Arial" panose="020B0604020202020204" pitchFamily="34" charset="0"/>
+              <a:buChar char="•"/>
+              <a:defRPr sz="1800" kern="1200">
+                <a:solidFill>
+                  <a:schemeClr val="tx1"/>
+                </a:solidFill>
+                <a:latin typeface="+mn-lt"/>
+                <a:ea typeface="+mn-ea"/>
+                <a:cs typeface="+mn-cs"/>
+              </a:defRPr>
+            </a:lvl7pPr>
+            <a:lvl8pPr marL="3429000" indent="-228600" algn="l" defTabSz="914400" rtl="0" eaLnBrk="1" latinLnBrk="0" hangingPunct="1">
+              <a:lnSpc>
+                <a:spcPct val="90000"/>
+              </a:lnSpc>
+              <a:spcBef>
+                <a:spcPts val="500"/>
+              </a:spcBef>
+              <a:buFont typeface="Arial" panose="020B0604020202020204" pitchFamily="34" charset="0"/>
+              <a:buChar char="•"/>
+              <a:defRPr sz="1800" kern="1200">
+                <a:solidFill>
+                  <a:schemeClr val="tx1"/>
+                </a:solidFill>
+                <a:latin typeface="+mn-lt"/>
+                <a:ea typeface="+mn-ea"/>
+                <a:cs typeface="+mn-cs"/>
+              </a:defRPr>
+            </a:lvl8pPr>
+            <a:lvl9pPr marL="3886200" indent="-228600" algn="l" defTabSz="914400" rtl="0" eaLnBrk="1" latinLnBrk="0" hangingPunct="1">
+              <a:lnSpc>
+                <a:spcPct val="90000"/>
+              </a:lnSpc>
+              <a:spcBef>
+                <a:spcPts val="500"/>
+              </a:spcBef>
+              <a:buFont typeface="Arial" panose="020B0604020202020204" pitchFamily="34" charset="0"/>
+              <a:buChar char="•"/>
+              <a:defRPr sz="1800" kern="1200">
+                <a:solidFill>
+                  <a:schemeClr val="tx1"/>
+                </a:solidFill>
+                <a:latin typeface="+mn-lt"/>
+                <a:ea typeface="+mn-ea"/>
+                <a:cs typeface="+mn-cs"/>
+              </a:defRPr>
+            </a:lvl9pPr>
+          </a:lstStyle>
+          <a:p>
+            <a:pPr marL="0" indent="0">
+              <a:buNone/>
+            </a:pPr>
+            <a:r>
+              <a:rPr lang="en-US" dirty="0"/>
+              <a:t>Should anything require the attention of the admin team, these are the points of contacts. </a:t>
+            </a:r>
+          </a:p>
+        </p:txBody>
+      </p:sp>
     </p:spTree>
     <p:extLst>
       <p:ext uri="{BB962C8B-B14F-4D97-AF65-F5344CB8AC3E}">

--- a/ppt_intro.pptx
+++ b/ppt_intro.pptx
@@ -263,7 +263,7 @@
           <a:p>
             <a:fld id="{A336B47F-F91F-1448-9B5F-2FB52A1AF5BB}" type="datetimeFigureOut">
               <a:rPr lang="en-US" smtClean="0"/>
-              <a:t>3/27/20</a:t>
+              <a:t>3/29/20</a:t>
             </a:fld>
             <a:endParaRPr lang="en-US"/>
           </a:p>
@@ -461,7 +461,7 @@
           <a:p>
             <a:fld id="{A336B47F-F91F-1448-9B5F-2FB52A1AF5BB}" type="datetimeFigureOut">
               <a:rPr lang="en-US" smtClean="0"/>
-              <a:t>3/27/20</a:t>
+              <a:t>3/29/20</a:t>
             </a:fld>
             <a:endParaRPr lang="en-US"/>
           </a:p>
@@ -669,7 +669,7 @@
           <a:p>
             <a:fld id="{A336B47F-F91F-1448-9B5F-2FB52A1AF5BB}" type="datetimeFigureOut">
               <a:rPr lang="en-US" smtClean="0"/>
-              <a:t>3/27/20</a:t>
+              <a:t>3/29/20</a:t>
             </a:fld>
             <a:endParaRPr lang="en-US"/>
           </a:p>
@@ -867,7 +867,7 @@
           <a:p>
             <a:fld id="{A336B47F-F91F-1448-9B5F-2FB52A1AF5BB}" type="datetimeFigureOut">
               <a:rPr lang="en-US" smtClean="0"/>
-              <a:t>3/27/20</a:t>
+              <a:t>3/29/20</a:t>
             </a:fld>
             <a:endParaRPr lang="en-US"/>
           </a:p>
@@ -1142,7 +1142,7 @@
           <a:p>
             <a:fld id="{A336B47F-F91F-1448-9B5F-2FB52A1AF5BB}" type="datetimeFigureOut">
               <a:rPr lang="en-US" smtClean="0"/>
-              <a:t>3/27/20</a:t>
+              <a:t>3/29/20</a:t>
             </a:fld>
             <a:endParaRPr lang="en-US"/>
           </a:p>
@@ -1407,7 +1407,7 @@
           <a:p>
             <a:fld id="{A336B47F-F91F-1448-9B5F-2FB52A1AF5BB}" type="datetimeFigureOut">
               <a:rPr lang="en-US" smtClean="0"/>
-              <a:t>3/27/20</a:t>
+              <a:t>3/29/20</a:t>
             </a:fld>
             <a:endParaRPr lang="en-US"/>
           </a:p>
@@ -1819,7 +1819,7 @@
           <a:p>
             <a:fld id="{A336B47F-F91F-1448-9B5F-2FB52A1AF5BB}" type="datetimeFigureOut">
               <a:rPr lang="en-US" smtClean="0"/>
-              <a:t>3/27/20</a:t>
+              <a:t>3/29/20</a:t>
             </a:fld>
             <a:endParaRPr lang="en-US"/>
           </a:p>
@@ -1960,7 +1960,7 @@
           <a:p>
             <a:fld id="{A336B47F-F91F-1448-9B5F-2FB52A1AF5BB}" type="datetimeFigureOut">
               <a:rPr lang="en-US" smtClean="0"/>
-              <a:t>3/27/20</a:t>
+              <a:t>3/29/20</a:t>
             </a:fld>
             <a:endParaRPr lang="en-US"/>
           </a:p>
@@ -2073,7 +2073,7 @@
           <a:p>
             <a:fld id="{A336B47F-F91F-1448-9B5F-2FB52A1AF5BB}" type="datetimeFigureOut">
               <a:rPr lang="en-US" smtClean="0"/>
-              <a:t>3/27/20</a:t>
+              <a:t>3/29/20</a:t>
             </a:fld>
             <a:endParaRPr lang="en-US"/>
           </a:p>
@@ -2384,7 +2384,7 @@
           <a:p>
             <a:fld id="{A336B47F-F91F-1448-9B5F-2FB52A1AF5BB}" type="datetimeFigureOut">
               <a:rPr lang="en-US" smtClean="0"/>
-              <a:t>3/27/20</a:t>
+              <a:t>3/29/20</a:t>
             </a:fld>
             <a:endParaRPr lang="en-US"/>
           </a:p>
@@ -2672,7 +2672,7 @@
           <a:p>
             <a:fld id="{A336B47F-F91F-1448-9B5F-2FB52A1AF5BB}" type="datetimeFigureOut">
               <a:rPr lang="en-US" smtClean="0"/>
-              <a:t>3/27/20</a:t>
+              <a:t>3/29/20</a:t>
             </a:fld>
             <a:endParaRPr lang="en-US"/>
           </a:p>
@@ -2913,7 +2913,7 @@
           <a:p>
             <a:fld id="{A336B47F-F91F-1448-9B5F-2FB52A1AF5BB}" type="datetimeFigureOut">
               <a:rPr lang="en-US" smtClean="0"/>
-              <a:t>3/27/20</a:t>
+              <a:t>3/29/20</a:t>
             </a:fld>
             <a:endParaRPr lang="en-US"/>
           </a:p>
@@ -4084,14 +4084,14 @@
             <p:ph idx="1"/>
             <p:extLst>
               <p:ext uri="{D42A27DB-BD31-4B8C-83A1-F6EECF244321}">
-                <p14:modId xmlns:p14="http://schemas.microsoft.com/office/powerpoint/2010/main" val="2650074387"/>
+                <p14:modId xmlns:p14="http://schemas.microsoft.com/office/powerpoint/2010/main" val="786743199"/>
               </p:ext>
             </p:extLst>
           </p:nvPr>
         </p:nvGraphicFramePr>
         <p:xfrm>
-          <a:off x="838200" y="3044825"/>
-          <a:ext cx="10515600" cy="2966720"/>
+          <a:off x="838200" y="2839403"/>
+          <a:ext cx="10515600" cy="3337560"/>
         </p:xfrm>
         <a:graphic>
           <a:graphicData uri="http://schemas.openxmlformats.org/drawingml/2006/table">
@@ -4518,6 +4518,89 @@
                       </a:pPr>
                       <a:r>
                         <a:rPr lang="en-US" dirty="0"/>
+                        <a:t>Max Ma</a:t>
+                      </a:r>
+                    </a:p>
+                  </a:txBody>
+                  <a:tcPr/>
+                </a:tc>
+                <a:tc>
+                  <a:txBody>
+                    <a:bodyPr/>
+                    <a:lstStyle/>
+                    <a:p>
+                      <a:r>
+                        <a:rPr lang="en-US" dirty="0"/>
+                        <a:t>Associate</a:t>
+                      </a:r>
+                    </a:p>
+                  </a:txBody>
+                  <a:tcPr/>
+                </a:tc>
+                <a:tc>
+                  <a:txBody>
+                    <a:bodyPr/>
+                    <a:lstStyle/>
+                    <a:p>
+                      <a:pPr marL="0" marR="0" lvl="0" indent="0" algn="l" defTabSz="914400" rtl="0" eaLnBrk="1" fontAlgn="auto" latinLnBrk="0" hangingPunct="1">
+                        <a:lnSpc>
+                          <a:spcPct val="100000"/>
+                        </a:lnSpc>
+                        <a:spcBef>
+                          <a:spcPts val="0"/>
+                        </a:spcBef>
+                        <a:spcAft>
+                          <a:spcPts val="0"/>
+                        </a:spcAft>
+                        <a:buClrTx/>
+                        <a:buSzTx/>
+                        <a:buFontTx/>
+                        <a:buNone/>
+                        <a:tabLst/>
+                        <a:defRPr/>
+                      </a:pPr>
+                      <a:r>
+                        <a:rPr lang="en-US" dirty="0">
+                          <a:hlinkClick r:id="rId7"/>
+                        </a:rPr>
+                        <a:t>https://www.linkedin.com/in/xiaojima</a:t>
+                      </a:r>
+                      <a:endParaRPr lang="en-US" dirty="0"/>
+                    </a:p>
+                  </a:txBody>
+                  <a:tcPr/>
+                </a:tc>
+                <a:extLst>
+                  <a:ext uri="{0D108BD9-81ED-4DB2-BD59-A6C34878D82A}">
+                    <a16:rowId xmlns:a16="http://schemas.microsoft.com/office/drawing/2014/main" val="1599357453"/>
+                  </a:ext>
+                </a:extLst>
+              </a:tr>
+              <a:tr h="370840">
+                <a:tc>
+                  <a:txBody>
+                    <a:bodyPr/>
+                    <a:lstStyle/>
+                    <a:p>
+                      <a:pPr marL="0" marR="0" lvl="0" indent="0" algn="l" defTabSz="914400" rtl="0" eaLnBrk="1" fontAlgn="auto" latinLnBrk="0" hangingPunct="1">
+                        <a:lnSpc>
+                          <a:spcPct val="100000"/>
+                        </a:lnSpc>
+                        <a:spcBef>
+                          <a:spcPts val="0"/>
+                        </a:spcBef>
+                        <a:spcAft>
+                          <a:spcPts val="0"/>
+                        </a:spcAft>
+                        <a:buClrTx/>
+                        <a:buSzTx/>
+                        <a:buFontTx/>
+                        <a:buNone/>
+                        <a:tabLst/>
+                        <a:defRPr/>
+                      </a:pPr>
+                      <a:r>
+                        <a:rPr lang="en-US" dirty="0"/>
                         <a:t>Tao Gao</a:t>
                       </a:r>
                     </a:p>
@@ -4561,7 +4644,7 @@
                       </a:pPr>
                       <a:r>
                         <a:rPr lang="en-US" dirty="0">
-                          <a:hlinkClick r:id="rId7"/>
+                          <a:hlinkClick r:id="rId8"/>
                         </a:rPr>
                         <a:t>https://scholar.google.com/citations?user=73w5AAcAAAAJ&amp;hl=en</a:t>
                       </a:r>
@@ -4610,7 +4693,7 @@
                     <a:p>
                       <a:r>
                         <a:rPr lang="en-US" dirty="0">
-                          <a:hlinkClick r:id="rId8"/>
+                          <a:hlinkClick r:id="rId9"/>
                         </a:rPr>
                         <a:t>https://www.linkedin.com/in/haiyang-zhang</a:t>
                       </a:r>
